--- a/generated_docs/SWOT_Matrix.pptx
+++ b/generated_docs/SWOT_Matrix.pptx
@@ -6,6 +6,7 @@
   </p:sldMasterIdLst>
   <p:sldIdLst>
     <p:sldId id="256" r:id="rId7"/>
+    <p:sldId id="257" r:id="rId8"/>
   </p:sldIdLst>
   <p:sldSz cx="12191695" cy="6858000" type="screen4x3"/>
   <p:notesSz cx="6858000" cy="9144000"/>
@@ -3117,7 +3118,7 @@
                   <a:srgbClr val="003057"/>
                 </a:solidFill>
               </a:rPr>
-              <a:t>SWOT Analysis</a:t>
+              <a:t>SWOT Analysis — Internal Factors</a:t>
             </a:r>
           </a:p>
           <a:p>
@@ -3178,7 +3179,7 @@
         <p:spPr>
           <a:xfrm>
             <a:off x="365760" y="1399031"/>
-            <a:ext cx="5577840" cy="2350008"/>
+            <a:ext cx="5577840" cy="5093208"/>
           </a:xfrm>
           <a:prstGeom prst="rect">
             <a:avLst/>
@@ -3622,7 +3623,7 @@
         <p:spPr>
           <a:xfrm>
             <a:off x="6309360" y="1399031"/>
-            <a:ext cx="5577840" cy="2350008"/>
+            <a:ext cx="5577840" cy="5093208"/>
           </a:xfrm>
           <a:prstGeom prst="rect">
             <a:avLst/>
@@ -3967,15 +3968,78 @@
           </a:p>
         </p:txBody>
       </p:sp>
-      <p:sp>
-        <p:nvSpPr>
-          <p:cNvPr id="7" name="TextBox 6"/>
+    </p:spTree>
+  </p:cSld>
+  <p:clrMapOvr>
+    <a:masterClrMapping/>
+  </p:clrMapOvr>
+</p:sld>
+</file>
+
+<file path=ppt/slides/slide2.xml><?xml version="1.0" encoding="utf-8"?>
+<p:sld xmlns:a="http://schemas.openxmlformats.org/drawingml/2006/main" xmlns:p="http://schemas.openxmlformats.org/presentationml/2006/main" xmlns:r="http://schemas.openxmlformats.org/officeDocument/2006/relationships">
+  <p:cSld>
+    <p:spTree>
+      <p:nvGrpSpPr>
+        <p:cNvPr id="1" name=""/>
+        <p:cNvGrpSpPr/>
+        <p:nvPr/>
+      </p:nvGrpSpPr>
+      <p:grpSpPr/>
+      <p:sp>
+        <p:nvSpPr>
+          <p:cNvPr id="2" name="TextBox 1"/>
           <p:cNvSpPr txBox="1"/>
           <p:nvPr/>
         </p:nvSpPr>
         <p:spPr>
           <a:xfrm>
-            <a:off x="365760" y="3931920"/>
+            <a:off x="365760" y="228600"/>
+            <a:ext cx="11430000" cy="548640"/>
+          </a:xfrm>
+          <a:prstGeom prst="rect">
+            <a:avLst/>
+          </a:prstGeom>
+          <a:noFill/>
+        </p:spPr>
+        <p:txBody>
+          <a:bodyPr wrap="square">
+            <a:spAutoFit/>
+          </a:bodyPr>
+          <a:lstStyle/>
+          <a:p>
+            <a:pPr algn="l"/>
+            <a:r>
+              <a:rPr sz="2800" b="1">
+                <a:solidFill>
+                  <a:srgbClr val="003057"/>
+                </a:solidFill>
+              </a:rPr>
+              <a:t>SWOT Analysis — External Factors</a:t>
+            </a:r>
+          </a:p>
+          <a:p>
+            <a:pPr algn="l"/>
+            <a:r>
+              <a:rPr sz="1100">
+                <a:solidFill>
+                  <a:srgbClr val="666666"/>
+                </a:solidFill>
+              </a:rPr>
+              <a:t>Fort Lewis College | Durango, Colorado | Cross-Framework Strategic Synthesis</a:t>
+            </a:r>
+          </a:p>
+        </p:txBody>
+      </p:sp>
+      <p:sp>
+        <p:nvSpPr>
+          <p:cNvPr id="3" name="TextBox 2"/>
+          <p:cNvSpPr txBox="1"/>
+          <p:nvPr/>
+        </p:nvSpPr>
+        <p:spPr>
+          <a:xfrm>
+            <a:off x="365760" y="1051560"/>
             <a:ext cx="5577840" cy="347472"/>
           </a:xfrm>
           <a:prstGeom prst="rect">
@@ -4005,14 +4069,14 @@
       </p:sp>
       <p:sp>
         <p:nvSpPr>
-          <p:cNvPr id="8" name="TextBox 7"/>
+          <p:cNvPr id="4" name="TextBox 3"/>
           <p:cNvSpPr txBox="1"/>
           <p:nvPr/>
         </p:nvSpPr>
         <p:spPr>
           <a:xfrm>
-            <a:off x="365760" y="4279392"/>
-            <a:ext cx="5577840" cy="2350008"/>
+            <a:off x="365760" y="1399031"/>
+            <a:ext cx="5577840" cy="5093208"/>
           </a:xfrm>
           <a:prstGeom prst="rect">
             <a:avLst/>
@@ -4359,13 +4423,13 @@
       </p:sp>
       <p:sp>
         <p:nvSpPr>
-          <p:cNvPr id="9" name="TextBox 8"/>
+          <p:cNvPr id="5" name="TextBox 4"/>
           <p:cNvSpPr txBox="1"/>
           <p:nvPr/>
         </p:nvSpPr>
         <p:spPr>
           <a:xfrm>
-            <a:off x="6309360" y="3931920"/>
+            <a:off x="6309360" y="1051560"/>
             <a:ext cx="5577840" cy="347472"/>
           </a:xfrm>
           <a:prstGeom prst="rect">
@@ -4395,14 +4459,14 @@
       </p:sp>
       <p:sp>
         <p:nvSpPr>
-          <p:cNvPr id="10" name="TextBox 9"/>
+          <p:cNvPr id="6" name="TextBox 5"/>
           <p:cNvSpPr txBox="1"/>
           <p:nvPr/>
         </p:nvSpPr>
         <p:spPr>
           <a:xfrm>
-            <a:off x="6309360" y="4279392"/>
-            <a:ext cx="5577840" cy="2350008"/>
+            <a:off x="6309360" y="1399031"/>
+            <a:ext cx="5577840" cy="5093208"/>
           </a:xfrm>
           <a:prstGeom prst="rect">
             <a:avLst/>

--- a/generated_docs/SWOT_Matrix.pptx
+++ b/generated_docs/SWOT_Matrix.pptx
@@ -3213,7 +3213,7 @@
                   <a:srgbClr val="003057"/>
                 </a:solidFill>
               </a:rPr>
-              <a:t>• Unique Native American Mission</a:t>
+              <a:t>• Statutory Native American Mission</a:t>
             </a:r>
           </a:p>
           <a:p>
@@ -3231,7 +3231,7 @@
                   <a:srgbClr val="333333"/>
                 </a:solidFill>
               </a:rPr>
-              <a:t>   Federal obligation to serve Native American students with tuition waiver creates a distinctive institutional identity serving 166 tribes. 37% of students receive the Native American Tuition Waiver.</a:t>
+              <a:t>   Federal-state-tribal obligation (CRS 23-52-105, since 1911) to serve Native American students with tuition waiver. Serves 166 tribes; 37% of students receive waiver. This is a values-driven commitment, not a market instrument.</a:t>
             </a:r>
           </a:p>
           <a:p>
@@ -3249,7 +3249,7 @@
                   <a:srgbClr val="999999"/>
                 </a:solidFill>
               </a:rPr>
-              <a:t>   Source: PESTLE (Social/Political), Institutional Data</a:t>
+              <a:t>   Source: PESTLE (Political/Legal), Institutional Data</a:t>
             </a:r>
           </a:p>
           <a:p>
@@ -3267,7 +3267,7 @@
                   <a:srgbClr val="003057"/>
                 </a:solidFill>
               </a:rPr>
-              <a:t>• Strong Star Programs</a:t>
+              <a:t>• Strong Star Programs (Major-Level BCG)</a:t>
             </a:r>
           </a:p>
           <a:p>
@@ -3285,7 +3285,7 @@
                   <a:srgbClr val="333333"/>
                 </a:solidFill>
               </a:rPr>
-              <a:t>   Business Administration (298 enrolled, +4% growth) and Psychology (227 enrolled, +3% growth) demonstrate both high market share and positive trajectory.</a:t>
+              <a:t>   Business Administration (+10%, 325 enrolled), Exercise Physiology (+17%, 160), Environmental Conservation &amp; Mgmt (+62%, 133), and Biochemistry (+35%, 66) lead with both size and growth.</a:t>
             </a:r>
           </a:p>
           <a:p>
@@ -3303,7 +3303,7 @@
                   <a:srgbClr val="999999"/>
                 </a:solidFill>
               </a:rPr>
-              <a:t>   Source: BCG Matrix, Gray Associates</a:t>
+              <a:t>   Source: BCG Matrix (48-major analysis), Gray Associates</a:t>
             </a:r>
           </a:p>
           <a:p>
@@ -3321,7 +3321,7 @@
                   <a:srgbClr val="003057"/>
                 </a:solidFill>
               </a:rPr>
-              <a:t>• High-SCH Cash Cow Programs</a:t>
+              <a:t>• Place-Based Brand &amp; Outdoor Differentiation</a:t>
             </a:r>
           </a:p>
           <a:p>
@@ -3339,7 +3339,7 @@
                   <a:srgbClr val="333333"/>
                 </a:solidFill>
               </a:rPr>
-              <a:t>   Nine departments (English, Math, Biology, HHP, etc.) generate the bulk of student credit hours, providing a stable revenue foundation despite enrollment softness.</a:t>
+              <a:t>   Durango's mountain setting and outdoor lifestyle create a recruitment differentiator that online competitors cannot replicate. FLC serves experience-preferring students, a distinct market segment.</a:t>
             </a:r>
           </a:p>
           <a:p>
@@ -3357,7 +3357,7 @@
                   <a:srgbClr val="999999"/>
                 </a:solidFill>
               </a:rPr>
-              <a:t>   Source: BCG Matrix</a:t>
+              <a:t>   Source: Porter's Five Forces, PESTLE (Social/Environmental)</a:t>
             </a:r>
           </a:p>
           <a:p>
@@ -3375,7 +3375,7 @@
                   <a:srgbClr val="003057"/>
                 </a:solidFill>
               </a:rPr>
-              <a:t>• Outdoor Recreation &amp; Location Differentiator</a:t>
+              <a:t>• Small Class Sizes &amp; Teaching Focus</a:t>
             </a:r>
           </a:p>
           <a:p>
@@ -3393,7 +3393,7 @@
                   <a:srgbClr val="333333"/>
                 </a:solidFill>
               </a:rPr>
-              <a:t>   Durango's mountain setting and outdoor lifestyle create a powerful recruitment differentiator that online competitors cannot replicate. Adventure Education is uniquely positioned.</a:t>
+              <a:t>   Average class size of 19, 15:1 student-faculty ratio. 98% of tenure-track faculty hold terminal degrees (note: terminal degree % is a common proxy but does not directly measure teaching effectiveness).</a:t>
             </a:r>
           </a:p>
           <a:p>
@@ -3411,7 +3411,7 @@
                   <a:srgbClr val="999999"/>
                 </a:solidFill>
               </a:rPr>
-              <a:t>   Source: Porter's Five Forces, PESTLE (Social/Environmental)</a:t>
+              <a:t>   Source: Institutional Data</a:t>
             </a:r>
           </a:p>
           <a:p>
@@ -3429,7 +3429,7 @@
                   <a:srgbClr val="003057"/>
                 </a:solidFill>
               </a:rPr>
-              <a:t>• Growing Graduate Programs</a:t>
+              <a:t>• Growing Graduate Program</a:t>
             </a:r>
           </a:p>
           <a:p>
@@ -3447,7 +3447,7 @@
                   <a:srgbClr val="333333"/>
                 </a:solidFill>
               </a:rPr>
-              <a:t>   Graduate enrollment has grown from 10 (2016) to 160 (Fall 2025), a 16x increase demonstrating capacity to launch and scale new credential levels.</a:t>
+              <a:t>   Graduate enrollment grew from 10 (2016) to 160 (Fall 2025). However, FLC has only ONE graduate program — further expansion requires 1–2+ years shared governance, accreditation, and significant startup investment.</a:t>
             </a:r>
           </a:p>
           <a:p>
@@ -3465,7 +3465,7 @@
                   <a:srgbClr val="999999"/>
                 </a:solidFill>
               </a:rPr>
-              <a:t>   Source: Institutional Data, Gray Associates</a:t>
+              <a:t>   Source: Institutional Data, Budget Constraints</a:t>
             </a:r>
           </a:p>
           <a:p>
@@ -3483,7 +3483,7 @@
                   <a:srgbClr val="003057"/>
                 </a:solidFill>
               </a:rPr>
-              <a:t>• Small Class Sizes &amp; Faculty Quality</a:t>
+              <a:t>• Strong Employment-Aligned Programs</a:t>
             </a:r>
           </a:p>
           <a:p>
@@ -3501,7 +3501,7 @@
                   <a:srgbClr val="333333"/>
                 </a:solidFill>
               </a:rPr>
-              <a:t>   Average class size of 19, 100% of classes under 50 students, 98% of tenure-track faculty hold terminal degrees. 15:1 student-faculty ratio.</a:t>
+              <a:t>   Engineering (92), CIS (90), Business Admin (85), and Health Sciences (85) score highest on Gray Associates employment outlook. Healthcare and STEM fields show strongest regional job demand.</a:t>
             </a:r>
           </a:p>
           <a:p>
@@ -3519,7 +3519,7 @@
                   <a:srgbClr val="999999"/>
                 </a:solidFill>
               </a:rPr>
-              <a:t>   Source: Institutional Data</a:t>
+              <a:t>   Source: Gray Associates, PESTLE (Economic)</a:t>
             </a:r>
           </a:p>
           <a:p>
@@ -3537,7 +3537,7 @@
                   <a:srgbClr val="003057"/>
                 </a:solidFill>
               </a:rPr>
-              <a:t>• Strong Employment-Aligned Programs</a:t>
+              <a:t>• NATW Legal Foundation</a:t>
             </a:r>
           </a:p>
           <a:p>
@@ -3555,7 +3555,7 @@
                   <a:srgbClr val="333333"/>
                 </a:solidFill>
               </a:rPr>
-              <a:t>   Engineering (92), Computer Info Systems (90), Business Admin (85), and Health Sciences (85) score highest on employment outlook in Gray Associates analysis.</a:t>
+              <a:t>   The Native American Tuition Waiver has a distinct legal basis (CRS 23-52-105, 1911 federal-state contract) separate from voluntary DEI programs. This is defensible under current Title VI scrutiny.</a:t>
             </a:r>
           </a:p>
           <a:p>
@@ -3573,7 +3573,7 @@
                   <a:srgbClr val="999999"/>
                 </a:solidFill>
               </a:rPr>
-              <a:t>   Source: Gray Associates</a:t>
+              <a:t>   Source: PESTLE (Legal), Context Files</a:t>
             </a:r>
           </a:p>
         </p:txBody>
@@ -3609,7 +3609,7 @@
                   <a:srgbClr val="FFFFFF"/>
                 </a:solidFill>
               </a:rPr>
-              <a:t>Weaknesses  (6 items)</a:t>
+              <a:t>Weaknesses  (7 items)</a:t>
             </a:r>
           </a:p>
         </p:txBody>
@@ -3675,7 +3675,7 @@
                   <a:srgbClr val="333333"/>
                 </a:solidFill>
               </a:rPr>
-              <a:t>   UG degree-seeking enrollment fell from 3,498 (2016) to 3,021 (2025), a -13.6% decline over 10 years. Total headcount down -2.5% YoY.</a:t>
+              <a:t>   UG degree-seeking enrollment fell from 3,498 (2016) to 3,021 (2025), -13.6% over 10 years. Major-level data shows overall -3.1% decline (2,899→2,810) from 2022–2024.</a:t>
             </a:r>
           </a:p>
           <a:p>
@@ -3693,7 +3693,7 @@
                   <a:srgbClr val="999999"/>
                 </a:solidFill>
               </a:rPr>
-              <a:t>   Source: Institutional Data, Enrollment Overview</a:t>
+              <a:t>   Source: Institutional Data, BCG Matrix (48-major analysis)</a:t>
             </a:r>
           </a:p>
           <a:p>
@@ -3711,7 +3711,7 @@
                   <a:srgbClr val="003057"/>
                 </a:solidFill>
               </a:rPr>
-              <a:t>• Multiple Concern-Quadrant Programs</a:t>
+              <a:t>• 17 Concern-Quadrant Majors</a:t>
             </a:r>
           </a:p>
           <a:p>
@@ -3729,7 +3729,7 @@
                   <a:srgbClr val="333333"/>
                 </a:solidFill>
               </a:rPr>
-              <a:t>   Nine departments in BCG Concern quadrant: Political Science (-26%), Economics (-24%), Art &amp; Design (-18%), Geosciences (-15.5%) face both low market share and steep enrollment declines.</a:t>
+              <a:t>   BCG analysis shows 17 of 48 majors in the Concern quadrant (small &amp; declining). Economics (-76%, 9 enrolled), MND Art &amp; Design (-98%, 3), and Public Health (-57%, 37) face critical enrollment declines.</a:t>
             </a:r>
           </a:p>
           <a:p>
@@ -3747,7 +3747,7 @@
                   <a:srgbClr val="999999"/>
                 </a:solidFill>
               </a:rPr>
-              <a:t>   Source: BCG Matrix</a:t>
+              <a:t>   Source: BCG Matrix (48-major analysis)</a:t>
             </a:r>
           </a:p>
           <a:p>
@@ -3783,7 +3783,7 @@
                   <a:srgbClr val="333333"/>
                 </a:solidFill>
               </a:rPr>
-              <a:t>   66.1% FTFT retention rate is below the national average for public 4-year institutions (~73%). Equity gaps persist: First-Gen (60.9%), Pell (61.7%), Students of Color (62.6%).</a:t>
+              <a:t>   66.1% FTFT retention vs. ~73% national average. Equity gaps persist: First-Gen 60.9%, Pell 61.7%, Students of Color 62.6%.</a:t>
             </a:r>
           </a:p>
           <a:p>
@@ -3819,7 +3819,7 @@
                   <a:srgbClr val="003057"/>
                 </a:solidFill>
               </a:rPr>
-              <a:t>• Remote Location Faculty Recruitment</a:t>
+              <a:t>• Durango Housing Crisis &amp; Faculty Recruitment</a:t>
             </a:r>
           </a:p>
           <a:p>
@@ -3837,7 +3837,7 @@
                   <a:srgbClr val="333333"/>
                 </a:solidFill>
               </a:rPr>
-              <a:t>   Durango's high cost of living and geographic isolation create persistent challenges in attracting and retaining specialized faculty. Salary competitiveness is below average.</a:t>
+              <a:t>   Durango cost of living is a hidden barrier for both students (attendance) and faculty (recruitment). National faculty supply is HIGH in most fields — the real issue is FLC's location + salary competitiveness.</a:t>
             </a:r>
           </a:p>
           <a:p>
@@ -3855,7 +3855,7 @@
                   <a:srgbClr val="999999"/>
                 </a:solidFill>
               </a:rPr>
-              <a:t>   Source: Porter's Five Forces (Supplier Power)</a:t>
+              <a:t>   Source: Porter's Five Forces, PESTLE (Economic)</a:t>
             </a:r>
           </a:p>
           <a:p>
@@ -3873,6 +3873,114 @@
                   <a:srgbClr val="003057"/>
                 </a:solidFill>
               </a:rPr>
+              <a:t>• Faculty Footprint Disproportionate to Enrollment</a:t>
+            </a:r>
+          </a:p>
+          <a:p>
+            <a:pPr>
+              <a:spcBef>
+                <a:spcPts val="0"/>
+              </a:spcBef>
+              <a:spcAft>
+                <a:spcPts val="100"/>
+              </a:spcAft>
+            </a:pPr>
+            <a:r>
+              <a:rPr sz="750">
+                <a:solidFill>
+                  <a:srgbClr val="333333"/>
+                </a:solidFill>
+              </a:rPr>
+              <a:t>   Number of programs and faculty positions are disproportionately large relative to student enrollment. Faculty governance resistance expected for any consolidation.</a:t>
+            </a:r>
+          </a:p>
+          <a:p>
+            <a:pPr>
+              <a:spcBef>
+                <a:spcPts val="0"/>
+              </a:spcBef>
+              <a:spcAft>
+                <a:spcPts val="200"/>
+              </a:spcAft>
+            </a:pPr>
+            <a:r>
+              <a:rPr sz="650" i="1">
+                <a:solidFill>
+                  <a:srgbClr val="999999"/>
+                </a:solidFill>
+              </a:rPr>
+              <a:t>   Source: Institutional Priorities, SWOT Context</a:t>
+            </a:r>
+          </a:p>
+          <a:p>
+            <a:pPr>
+              <a:spcBef>
+                <a:spcPts val="400"/>
+              </a:spcBef>
+              <a:spcAft>
+                <a:spcPts val="100"/>
+              </a:spcAft>
+            </a:pPr>
+            <a:r>
+              <a:rPr sz="900" b="1">
+                <a:solidFill>
+                  <a:srgbClr val="003057"/>
+                </a:solidFill>
+              </a:rPr>
+              <a:t>• No Online Brand or Infrastructure</a:t>
+            </a:r>
+          </a:p>
+          <a:p>
+            <a:pPr>
+              <a:spcBef>
+                <a:spcPts val="0"/>
+              </a:spcBef>
+              <a:spcAft>
+                <a:spcPts val="100"/>
+              </a:spcAft>
+            </a:pPr>
+            <a:r>
+              <a:rPr sz="750">
+                <a:solidFill>
+                  <a:srgbClr val="333333"/>
+                </a:solidFill>
+              </a:rPr>
+              <a:t>   Only ~25 online courses (~10% of offerings). Online market is SATURATED (ASU, SNHU, WGU spend $50M+ on marketing). FLC has no online brand nationally and cannot compete on price with scale players.</a:t>
+            </a:r>
+          </a:p>
+          <a:p>
+            <a:pPr>
+              <a:spcBef>
+                <a:spcPts val="0"/>
+              </a:spcBef>
+              <a:spcAft>
+                <a:spcPts val="200"/>
+              </a:spcAft>
+            </a:pPr>
+            <a:r>
+              <a:rPr sz="650" i="1">
+                <a:solidFill>
+                  <a:srgbClr val="999999"/>
+                </a:solidFill>
+              </a:rPr>
+              <a:t>   Source: PESTLE (Technological), Porter's Five Forces</a:t>
+            </a:r>
+          </a:p>
+          <a:p>
+            <a:pPr>
+              <a:spcBef>
+                <a:spcPts val="400"/>
+              </a:spcBef>
+              <a:spcAft>
+                <a:spcPts val="100"/>
+              </a:spcAft>
+            </a:pPr>
+            <a:r>
+              <a:rPr sz="900" b="1">
+                <a:solidFill>
+                  <a:srgbClr val="003057"/>
+                </a:solidFill>
+              </a:rPr>
               <a:t>• Tuition Waiver Revenue Impact</a:t>
             </a:r>
           </a:p>
@@ -3891,7 +3999,7 @@
                   <a:srgbClr val="333333"/>
                 </a:solidFill>
               </a:rPr>
-              <a:t>   The Native American tuition waiver, while mission-critical, affects revenue generation with ~37% of students receiving the waiver, creating dependency on state funding.</a:t>
+              <a:t>   ~37% of students at zero tuition via NATW creates dependency on state appropriations. With state funding declining, this structural gap widens.</a:t>
             </a:r>
           </a:p>
           <a:p>
@@ -3909,61 +4017,7 @@
                   <a:srgbClr val="999999"/>
                 </a:solidFill>
               </a:rPr>
-              <a:t>   Source: PESTLE (Economic/Political)</a:t>
-            </a:r>
-          </a:p>
-          <a:p>
-            <a:pPr>
-              <a:spcBef>
-                <a:spcPts val="400"/>
-              </a:spcBef>
-              <a:spcAft>
-                <a:spcPts val="100"/>
-              </a:spcAft>
-            </a:pPr>
-            <a:r>
-              <a:rPr sz="900" b="1">
-                <a:solidFill>
-                  <a:srgbClr val="003057"/>
-                </a:solidFill>
-              </a:rPr>
-              <a:t>• Limited Online Program Offerings</a:t>
-            </a:r>
-          </a:p>
-          <a:p>
-            <a:pPr>
-              <a:spcBef>
-                <a:spcPts val="0"/>
-              </a:spcBef>
-              <a:spcAft>
-                <a:spcPts val="100"/>
-              </a:spcAft>
-            </a:pPr>
-            <a:r>
-              <a:rPr sz="750">
-                <a:solidFill>
-                  <a:srgbClr val="333333"/>
-                </a:solidFill>
-              </a:rPr>
-              <a:t>   Only 25 online course offerings currently, significantly limiting reach and competitiveness against institutions with robust online portfolios.</a:t>
-            </a:r>
-          </a:p>
-          <a:p>
-            <a:pPr>
-              <a:spcBef>
-                <a:spcPts val="0"/>
-              </a:spcBef>
-              <a:spcAft>
-                <a:spcPts val="200"/>
-              </a:spcAft>
-            </a:pPr>
-            <a:r>
-              <a:rPr sz="650" i="1">
-                <a:solidFill>
-                  <a:srgbClr val="999999"/>
-                </a:solidFill>
-              </a:rPr>
-              <a:t>   Source: Porter's Five Forces, Gray Associates</a:t>
+              <a:t>   Source: PESTLE (Economic/Political), Budget Constraints</a:t>
             </a:r>
           </a:p>
         </p:txBody>
@@ -4062,7 +4116,7 @@
                   <a:srgbClr val="FFFFFF"/>
                 </a:solidFill>
               </a:rPr>
-              <a:t>Opportunities  (6 items)</a:t>
+              <a:t>Opportunities  (7 items)</a:t>
             </a:r>
           </a:p>
         </p:txBody>
@@ -4110,7 +4164,7 @@
                   <a:srgbClr val="003057"/>
                 </a:solidFill>
               </a:rPr>
-              <a:t>• Expand High-Demand Programs</a:t>
+              <a:t>• Invest in Star Programs</a:t>
             </a:r>
           </a:p>
           <a:p>
@@ -4128,7 +4182,7 @@
                   <a:srgbClr val="333333"/>
                 </a:solidFill>
               </a:rPr>
-              <a:t>   Gray Associates identifies 7 programs for GROW status: Business Admin, Psychology, Engineering, Health Sciences, Computer Info Systems, Exercise Physiology, Accounting. These align with strong employment markets.</a:t>
+              <a:t>   BCG Star programs (Business Admin, Exercise Physiology, Env Conservation, Biochemistry, Engineering, etc.) show enrollment growth. Gray Associates classifies 7 programs for GROW status with strong employment alignment.</a:t>
             </a:r>
           </a:p>
           <a:p>
@@ -4146,7 +4200,7 @@
                   <a:srgbClr val="999999"/>
                 </a:solidFill>
               </a:rPr>
-              <a:t>   Source: Gray Associates, BCG Matrix</a:t>
+              <a:t>   Source: BCG Matrix, Gray Associates</a:t>
             </a:r>
           </a:p>
           <a:p>
@@ -4164,7 +4218,7 @@
                   <a:srgbClr val="003057"/>
                 </a:solidFill>
               </a:rPr>
-              <a:t>• Graduate Program Expansion</a:t>
+              <a:t>• Indigenous Education Leadership (Statutorily Grounded)</a:t>
             </a:r>
           </a:p>
           <a:p>
@@ -4182,7 +4236,7 @@
                   <a:srgbClr val="333333"/>
                 </a:solidFill>
               </a:rPr>
-              <a:t>   16x growth in graduate enrollment (10 to 160) over 9 years demonstrates untapped capacity. Health Sciences graduate certificate and online MBA are immediate opportunities.</a:t>
+              <a:t>   Serving 166 tribes with 37% waiver enrollment is a genuine national distinction. Must be framed through statutory obligations (CRS 23-52-105), cultural preservation, and sovereign agreements — not DEI language — to remain viable in current political climate. Reconciles with DEI threat below.</a:t>
             </a:r>
           </a:p>
           <a:p>
@@ -4200,7 +4254,7 @@
                   <a:srgbClr val="999999"/>
                 </a:solidFill>
               </a:rPr>
-              <a:t>   Source: Institutional Data, Gray Associates</a:t>
+              <a:t>   Source: PESTLE (Social/Legal), SWOT Context</a:t>
             </a:r>
           </a:p>
           <a:p>
@@ -4218,7 +4272,7 @@
                   <a:srgbClr val="003057"/>
                 </a:solidFill>
               </a:rPr>
-              <a:t>• AI Institute Development</a:t>
+              <a:t>• Dual Enrollment Pipeline Growth</a:t>
             </a:r>
           </a:p>
           <a:p>
@@ -4236,7 +4290,7 @@
                   <a:srgbClr val="333333"/>
                 </a:solidFill>
               </a:rPr>
-              <a:t>   FLC's AI Institute represents an emerging strength in a high-demand field. Partnerships and curriculum integration can attract new student segments and research funding.</a:t>
+              <a:t>   Dual enrollment grew 4.5x (52→235) since 2016. 27 converted to degree-seeking in Fall 2025. Partnerships with Pueblo CC, San Juan College, Red Rocks CC are viable low-risk growth channels.</a:t>
             </a:r>
           </a:p>
           <a:p>
@@ -4254,6 +4308,60 @@
                   <a:srgbClr val="999999"/>
                 </a:solidFill>
               </a:rPr>
+              <a:t>   Source: Institutional Data, Enrollment Overview</a:t>
+            </a:r>
+          </a:p>
+          <a:p>
+            <a:pPr>
+              <a:spcBef>
+                <a:spcPts val="400"/>
+              </a:spcBef>
+              <a:spcAft>
+                <a:spcPts val="100"/>
+              </a:spcAft>
+            </a:pPr>
+            <a:r>
+              <a:rPr sz="900" b="1">
+                <a:solidFill>
+                  <a:srgbClr val="003057"/>
+                </a:solidFill>
+              </a:rPr>
+              <a:t>• AI Institute &amp; Technology Integration</a:t>
+            </a:r>
+          </a:p>
+          <a:p>
+            <a:pPr>
+              <a:spcBef>
+                <a:spcPts val="0"/>
+              </a:spcBef>
+              <a:spcAft>
+                <a:spcPts val="100"/>
+              </a:spcAft>
+            </a:pPr>
+            <a:r>
+              <a:rPr sz="750">
+                <a:solidFill>
+                  <a:srgbClr val="333333"/>
+                </a:solidFill>
+              </a:rPr>
+              <a:t>   FLC's AI Institute is an emerging strength. AI-enabled advising, retention prediction, and curriculum integration can attract new students. Requires realistic investment assessment.</a:t>
+            </a:r>
+          </a:p>
+          <a:p>
+            <a:pPr>
+              <a:spcBef>
+                <a:spcPts val="0"/>
+              </a:spcBef>
+              <a:spcAft>
+                <a:spcPts val="200"/>
+              </a:spcAft>
+            </a:pPr>
+            <a:r>
+              <a:rPr sz="650" i="1">
+                <a:solidFill>
+                  <a:srgbClr val="999999"/>
+                </a:solidFill>
+              </a:rPr>
               <a:t>   Source: PESTLE (Technological), Institutional Data</a:t>
             </a:r>
           </a:p>
@@ -4272,7 +4380,7 @@
                   <a:srgbClr val="003057"/>
                 </a:solidFill>
               </a:rPr>
-              <a:t>• Dual Enrollment Pipeline Growth</a:t>
+              <a:t>• Healthcare &amp; Workforce Programs</a:t>
             </a:r>
           </a:p>
           <a:p>
@@ -4290,7 +4398,7 @@
                   <a:srgbClr val="333333"/>
                 </a:solidFill>
               </a:rPr>
-              <a:t>   Dual enrollment grew from 52 (2016) to 235 (2025), 4.5x increase. 27 prior dual-enrollment students converted to degree-seeking in Fall 2025. Expansion partnerships with San Juan College, Pueblo CC, and Red Rocks CC are viable.</a:t>
+              <a:t>   Healthcare sector showing strongest regional job growth. Health Sciences (+69%, 86 enrolled) is a BCG Star. Nursing, allied health, and behavioral health have strong employer demand in SW Colorado.</a:t>
             </a:r>
           </a:p>
           <a:p>
@@ -4308,7 +4416,7 @@
                   <a:srgbClr val="999999"/>
                 </a:solidFill>
               </a:rPr>
-              <a:t>   Source: Institutional Data, Enrollment Overview</a:t>
+              <a:t>   Source: PESTLE (Economic), Gray Associates, BCG Matrix</a:t>
             </a:r>
           </a:p>
           <a:p>
@@ -4326,7 +4434,7 @@
                   <a:srgbClr val="003057"/>
                 </a:solidFill>
               </a:rPr>
-              <a:t>• Sustainability &amp; Environmental Leadership</a:t>
+              <a:t>• First-Generation Student Success</a:t>
             </a:r>
           </a:p>
           <a:p>
@@ -4344,7 +4452,7 @@
                   <a:srgbClr val="333333"/>
                 </a:solidFill>
               </a:rPr>
-              <a:t>   FLC's Environmental Conservation &amp; Management (133 enrolled) and Environmental Science (87 enrolled) programs, combined with Durango's setting, position the institution for climate/sustainability leadership.</a:t>
+              <a:t>   43% first-gen population is a safe, non-identity-based framing that encompasses many Indigenous students. First-gen support programs are politically viable and address a real retention gap (60.9% vs 66.1%).</a:t>
             </a:r>
           </a:p>
           <a:p>
@@ -4362,7 +4470,7 @@
                   <a:srgbClr val="999999"/>
                 </a:solidFill>
               </a:rPr>
-              <a:t>   Source: PESTLE (Environmental), Gray Associates</a:t>
+              <a:t>   Source: PESTLE (Social/Political), Institutional Data</a:t>
             </a:r>
           </a:p>
           <a:p>
@@ -4380,7 +4488,7 @@
                   <a:srgbClr val="003057"/>
                 </a:solidFill>
               </a:rPr>
-              <a:t>• Indigenous Education National Leadership</a:t>
+              <a:t>• Graduate Certificate Development (Long-Term)</a:t>
             </a:r>
           </a:p>
           <a:p>
@@ -4398,7 +4506,7 @@
                   <a:srgbClr val="333333"/>
                 </a:solidFill>
               </a:rPr>
-              <a:t>   Serving 166 tribes with 26.5% Native American enrollment creates opportunity to become the premier Indigenous higher education institution nationally, attracting federal grants and partnerships.</a:t>
+              <a:t>   Graduate enrollment growth (10→160) shows capacity, but expansion requires defensible niche (e.g., tribal governance, outdoor education leadership). Generic MBA/MEd markets are saturated. Timeline: 2–3+ years.</a:t>
             </a:r>
           </a:p>
           <a:p>
@@ -4416,7 +4524,7 @@
                   <a:srgbClr val="999999"/>
                 </a:solidFill>
               </a:rPr>
-              <a:t>   Source: PESTLE (Social/Political), Institutional Data</a:t>
+              <a:t>   Source: Budget Constraints, SWOT Context, PESTLE (Technological)</a:t>
             </a:r>
           </a:p>
         </p:txBody>
@@ -4452,7 +4560,7 @@
                   <a:srgbClr val="FFFFFF"/>
                 </a:solidFill>
               </a:rPr>
-              <a:t>Threats  (6 items)</a:t>
+              <a:t>Threats  (7 items)</a:t>
             </a:r>
           </a:p>
         </p:txBody>
@@ -4500,7 +4608,7 @@
                   <a:srgbClr val="003057"/>
                 </a:solidFill>
               </a:rPr>
-              <a:t>• Intensifying Online Competition</a:t>
+              <a:t>• DEI &amp; Federal Scrutiny of Public Higher Ed</a:t>
             </a:r>
           </a:p>
           <a:p>
@@ -4518,7 +4626,7 @@
                   <a:srgbClr val="333333"/>
                 </a:solidFill>
               </a:rPr>
-              <a:t>   Online programs from large universities erode FLC's geographic advantage. Porter's rates Competitive Rivalry at 4.5/5 and Threat of Substitutes at 3.5/5.</a:t>
+              <a:t>   120 TRIO programs terminated; 50+ universities under Title VI investigation. Programs framed as 'equity-focused' are primary targets. FLC's NATW is legally defensible (statutory basis) but could be misclassified as DEI. Reconcile: Indigenous programs must use statutory/sovereign framing.</a:t>
             </a:r>
           </a:p>
           <a:p>
@@ -4536,7 +4644,7 @@
                   <a:srgbClr val="999999"/>
                 </a:solidFill>
               </a:rPr>
-              <a:t>   Source: Porter's Five Forces</a:t>
+              <a:t>   Source: PESTLE (Political/Legal)</a:t>
             </a:r>
           </a:p>
           <a:p>
@@ -4554,7 +4662,7 @@
                   <a:srgbClr val="003057"/>
                 </a:solidFill>
               </a:rPr>
-              <a:t>• State Funding Volatility</a:t>
+              <a:t>• Tribal Education Funding Volatility</a:t>
             </a:r>
           </a:p>
           <a:p>
@@ -4572,7 +4680,7 @@
                   <a:srgbClr val="333333"/>
                 </a:solidFill>
               </a:rPr>
-              <a:t>   Colorado state appropriations per student are declining. Performance-based funding models create additional uncertainty for smaller institutions.</a:t>
+              <a:t>   Federal tribal education funding is VOLATILE: 109% increase Sept 2025, but FY2026 budget proposes 24% cuts. State appropriations also falling short ($38.4M vs $95M requested).</a:t>
             </a:r>
           </a:p>
           <a:p>
@@ -4626,7 +4734,7 @@
                   <a:srgbClr val="333333"/>
                 </a:solidFill>
               </a:rPr>
-              <a:t>   National college-going rates are declining, particularly affecting small public liberal arts institutions. Colorado first-year student pipeline down -7.6% for FLC in 2025.</a:t>
+              <a:t>   National and Colorado college-going rates declining. Growing skepticism about ROI of degrees. FLC first-year pipeline down -7.6% in 2025. Small public liberal arts institutions most affected.</a:t>
             </a:r>
           </a:p>
           <a:p>
@@ -4662,7 +4770,7 @@
                   <a:srgbClr val="003057"/>
                 </a:solidFill>
               </a:rPr>
-              <a:t>• Student Price Sensitivity</a:t>
+              <a:t>• Durango Housing Crisis</a:t>
             </a:r>
           </a:p>
           <a:p>
@@ -4680,7 +4788,7 @@
                   <a:srgbClr val="333333"/>
                 </a:solidFill>
               </a:rPr>
-              <a:t>   Porter's rates Bargaining Power of Students at 4.0/5 (High). Rising tuition sensitivity, student debt concerns, and increasing discount rate pressure threaten net revenue.</a:t>
+              <a:t>   Dramatic cost increases affect student attendance and faculty recruitment. This is a hidden barrier that compounds enrollment decline and makes salary offers less competitive.</a:t>
             </a:r>
           </a:p>
           <a:p>
@@ -4698,7 +4806,7 @@
                   <a:srgbClr val="999999"/>
                 </a:solidFill>
               </a:rPr>
-              <a:t>   Source: Porter's Five Forces, PESTLE (Economic)</a:t>
+              <a:t>   Source: PESTLE (Economic), Porter's Five Forces</a:t>
             </a:r>
           </a:p>
           <a:p>
@@ -4716,7 +4824,7 @@
                   <a:srgbClr val="003057"/>
                 </a:solidFill>
               </a:rPr>
-              <a:t>• Alternative Credential Growth</a:t>
+              <a:t>• Alternative Credentials Eroding Degree Value</a:t>
             </a:r>
           </a:p>
           <a:p>
@@ -4734,7 +4842,7 @@
                   <a:srgbClr val="333333"/>
                 </a:solidFill>
               </a:rPr>
-              <a:t>   Micro-credentials, boot camps, and certificate programs are growing rapidly. Employers increasingly accept alternative credentials, threatening traditional 4-year degree demand.</a:t>
+              <a:t>   Micro-credentials, boot camps, and certificates growing rapidly. Skills-based hiring means degrees are less of an automatic requirement. FLC's liberal arts value proposition harder to sell without career framing.</a:t>
             </a:r>
           </a:p>
           <a:p>
@@ -4752,7 +4860,7 @@
                   <a:srgbClr val="999999"/>
                 </a:solidFill>
               </a:rPr>
-              <a:t>   Source: Porter's Five Forces (Substitutes)</a:t>
+              <a:t>   Source: Porter's Five Forces (Substitutes), PESTLE (Economic)</a:t>
             </a:r>
           </a:p>
           <a:p>
@@ -4770,7 +4878,7 @@
                   <a:srgbClr val="003057"/>
                 </a:solidFill>
               </a:rPr>
-              <a:t>• Political Pressure on DEI &amp; Public Higher Ed</a:t>
+              <a:t>• Climate Vulnerability of Outdoor Brand</a:t>
             </a:r>
           </a:p>
           <a:p>
@@ -4788,7 +4896,7 @@
                   <a:srgbClr val="333333"/>
                 </a:solidFill>
               </a:rPr>
-              <a:t>   Political landscape creates uncertainty for diversity programs, public institution funding, and federal financial aid policy (Pell Grant, Title IV).</a:t>
+              <a:t>   Southwest Colorado wildfire risk increasing, drought stressing Colorado River basin, snowpack variability affecting ski/rafting economy. FLC's outdoor brand is a strength but climate-vulnerable.</a:t>
             </a:r>
           </a:p>
           <a:p>
@@ -4806,7 +4914,61 @@
                   <a:srgbClr val="999999"/>
                 </a:solidFill>
               </a:rPr>
-              <a:t>   Source: PESTLE (Political)</a:t>
+              <a:t>   Source: PESTLE (Environmental)</a:t>
+            </a:r>
+          </a:p>
+          <a:p>
+            <a:pPr>
+              <a:spcBef>
+                <a:spcPts val="400"/>
+              </a:spcBef>
+              <a:spcAft>
+                <a:spcPts val="100"/>
+              </a:spcAft>
+            </a:pPr>
+            <a:r>
+              <a:rPr sz="900" b="1">
+                <a:solidFill>
+                  <a:srgbClr val="003057"/>
+                </a:solidFill>
+              </a:rPr>
+              <a:t>• Shared Governance Constraints on Speed</a:t>
+            </a:r>
+          </a:p>
+          <a:p>
+            <a:pPr>
+              <a:spcBef>
+                <a:spcPts val="0"/>
+              </a:spcBef>
+              <a:spcAft>
+                <a:spcPts val="100"/>
+              </a:spcAft>
+            </a:pPr>
+            <a:r>
+              <a:rPr sz="750">
+                <a:solidFill>
+                  <a:srgbClr val="333333"/>
+                </a:solidFill>
+              </a:rPr>
+              <a:t>   Faculty governance takes 1–2+ years for program changes. Conservative Board risk tolerance. Any restructuring or new program requires significant political capital and patience.</a:t>
+            </a:r>
+          </a:p>
+          <a:p>
+            <a:pPr>
+              <a:spcBef>
+                <a:spcPts val="0"/>
+              </a:spcBef>
+              <a:spcAft>
+                <a:spcPts val="200"/>
+              </a:spcAft>
+            </a:pPr>
+            <a:r>
+              <a:rPr sz="650" i="1">
+                <a:solidFill>
+                  <a:srgbClr val="999999"/>
+                </a:solidFill>
+              </a:rPr>
+              <a:t>   Source: SWOT Context, Institutional Priorities</a:t>
             </a:r>
           </a:p>
         </p:txBody>
